--- a/Courses/Applied-Programmer/Programming-Fundamentals/07-Речници-и-хеш-таблици/27.Речници.pptx
+++ b/Courses/Applied-Programmer/Programming-Fundamentals/07-Речници-и-хеш-таблици/27.Речници.pptx
@@ -347,7 +347,7 @@
             <a:fld id="{FE5B4EDC-59C0-49C7-8ADA-5A781B329E02}" type="datetimeFigureOut">
               <a:rPr lang="en-US"/>
               <a:pPr/>
-              <a:t>13-Nov-20</a:t>
+              <a:t>19-Nov-20</a:t>
             </a:fld>
             <a:endParaRPr dirty="0"/>
           </a:p>
@@ -645,7 +645,7 @@
             <a:fld id="{F2D8D46A-B586-417D-BFBD-8C8FE0AAF762}" type="datetimeFigureOut">
               <a:rPr lang="en-US" smtClean="0"/>
               <a:pPr/>
-              <a:t>13-Nov-20</a:t>
+              <a:t>19-Nov-20</a:t>
             </a:fld>
             <a:endParaRPr lang="en-US" dirty="0"/>
           </a:p>
@@ -4516,7 +4516,7 @@
         </p:nvGrpSpPr>
         <p:grpSpPr>
           <a:xfrm>
-            <a:off x="7389812" y="3514653"/>
+            <a:off x="7466012" y="3231731"/>
             <a:ext cx="4310874" cy="2836186"/>
             <a:chOff x="8069640" y="3761503"/>
             <a:chExt cx="3376573" cy="2440899"/>
@@ -4646,10 +4646,10 @@
         </p:nvGrpSpPr>
         <p:grpSpPr>
           <a:xfrm>
-            <a:off x="760412" y="3583505"/>
-            <a:ext cx="5043827" cy="2524722"/>
-            <a:chOff x="745783" y="3624633"/>
-            <a:chExt cx="5043827" cy="2524722"/>
+            <a:off x="303212" y="3583505"/>
+            <a:ext cx="5501027" cy="2641346"/>
+            <a:chOff x="288583" y="3624633"/>
+            <a:chExt cx="5501027" cy="2641346"/>
           </a:xfrm>
         </p:grpSpPr>
         <p:pic>
@@ -4706,7 +4706,7 @@
           </p:blipFill>
           <p:spPr bwMode="auto">
             <a:xfrm>
-              <a:off x="745783" y="4076772"/>
+              <a:off x="312888" y="4193147"/>
               <a:ext cx="2175525" cy="761165"/>
             </a:xfrm>
             <a:prstGeom prst="roundRect">
@@ -4745,7 +4745,7 @@
           </p:nvSpPr>
           <p:spPr bwMode="auto">
             <a:xfrm>
-              <a:off x="760413" y="4998598"/>
+              <a:off x="288583" y="4988084"/>
               <a:ext cx="3187614" cy="444343"/>
             </a:xfrm>
             <a:prstGeom prst="rect">
@@ -5002,7 +5002,7 @@
           </p:nvSpPr>
           <p:spPr bwMode="auto">
             <a:xfrm>
-              <a:off x="760412" y="5403725"/>
+              <a:off x="288583" y="5423901"/>
               <a:ext cx="3187613" cy="382788"/>
             </a:xfrm>
             <a:prstGeom prst="rect">
@@ -5258,7 +5258,7 @@
           </p:nvSpPr>
           <p:spPr bwMode="auto">
             <a:xfrm>
-              <a:off x="760412" y="5690893"/>
+              <a:off x="288583" y="5807517"/>
               <a:ext cx="3810000" cy="458462"/>
             </a:xfrm>
             <a:prstGeom prst="rect">
@@ -5499,6 +5499,141 @@
           </p:txBody>
         </p:sp>
       </p:grpSp>
+      <p:sp>
+        <p:nvSpPr>
+          <p:cNvPr id="18" name="Text Placeholder 11">
+            <a:extLst>
+              <a:ext uri="{FF2B5EF4-FFF2-40B4-BE49-F238E27FC236}">
+                <a16:creationId xmlns:a16="http://schemas.microsoft.com/office/drawing/2014/main" id="{3E4A0819-C69C-40DE-8DCD-6732932F3986}"/>
+              </a:ext>
+            </a:extLst>
+          </p:cNvPr>
+          <p:cNvSpPr txBox="1">
+            <a:spLocks/>
+          </p:cNvSpPr>
+          <p:nvPr/>
+        </p:nvSpPr>
+        <p:spPr bwMode="auto">
+          <a:xfrm>
+            <a:off x="303212" y="6225679"/>
+            <a:ext cx="11885613" cy="349702"/>
+          </a:xfrm>
+          <a:prstGeom prst="rect">
+            <a:avLst/>
+          </a:prstGeom>
+          <a:noFill/>
+          <a:effectLst/>
+        </p:spPr>
+        <p:txBody>
+          <a:bodyPr vert="horz" wrap="square" lIns="36000" tIns="36000" rIns="36000" bIns="36000" rtlCol="0" anchor="ctr" anchorCtr="0">
+            <a:spAutoFit/>
+          </a:bodyPr>
+          <a:lstStyle>
+            <a:defPPr>
+              <a:defRPr lang="en-US"/>
+            </a:defPPr>
+            <a:lvl1pPr marL="0" algn="l" defTabSz="1218987" rtl="0" eaLnBrk="1" latinLnBrk="0" hangingPunct="1">
+              <a:defRPr sz="2400" kern="1200">
+                <a:solidFill>
+                  <a:schemeClr val="tx1"/>
+                </a:solidFill>
+                <a:latin typeface="+mn-lt"/>
+                <a:ea typeface="+mn-ea"/>
+                <a:cs typeface="+mn-cs"/>
+              </a:defRPr>
+            </a:lvl1pPr>
+            <a:lvl2pPr marL="609493" algn="l" defTabSz="1218987" rtl="0" eaLnBrk="1" latinLnBrk="0" hangingPunct="1">
+              <a:defRPr sz="2400" kern="1200">
+                <a:solidFill>
+                  <a:schemeClr val="tx1"/>
+                </a:solidFill>
+                <a:latin typeface="+mn-lt"/>
+                <a:ea typeface="+mn-ea"/>
+                <a:cs typeface="+mn-cs"/>
+              </a:defRPr>
+            </a:lvl2pPr>
+            <a:lvl3pPr marL="1218987" algn="l" defTabSz="1218987" rtl="0" eaLnBrk="1" latinLnBrk="0" hangingPunct="1">
+              <a:defRPr sz="2400" kern="1200">
+                <a:solidFill>
+                  <a:schemeClr val="tx1"/>
+                </a:solidFill>
+                <a:latin typeface="+mn-lt"/>
+                <a:ea typeface="+mn-ea"/>
+                <a:cs typeface="+mn-cs"/>
+              </a:defRPr>
+            </a:lvl3pPr>
+            <a:lvl4pPr marL="1828480" algn="l" defTabSz="1218987" rtl="0" eaLnBrk="1" latinLnBrk="0" hangingPunct="1">
+              <a:defRPr sz="2400" kern="1200">
+                <a:solidFill>
+                  <a:schemeClr val="tx1"/>
+                </a:solidFill>
+                <a:latin typeface="+mn-lt"/>
+                <a:ea typeface="+mn-ea"/>
+                <a:cs typeface="+mn-cs"/>
+              </a:defRPr>
+            </a:lvl4pPr>
+            <a:lvl5pPr marL="2437973" algn="l" defTabSz="1218987" rtl="0" eaLnBrk="1" latinLnBrk="0" hangingPunct="1">
+              <a:defRPr sz="2400" kern="1200">
+                <a:solidFill>
+                  <a:schemeClr val="tx1"/>
+                </a:solidFill>
+                <a:latin typeface="+mn-lt"/>
+                <a:ea typeface="+mn-ea"/>
+                <a:cs typeface="+mn-cs"/>
+              </a:defRPr>
+            </a:lvl5pPr>
+            <a:lvl6pPr marL="3047467" algn="l" defTabSz="1218987" rtl="0" eaLnBrk="1" latinLnBrk="0" hangingPunct="1">
+              <a:defRPr sz="2400" kern="1200">
+                <a:solidFill>
+                  <a:schemeClr val="tx1"/>
+                </a:solidFill>
+                <a:latin typeface="+mn-lt"/>
+                <a:ea typeface="+mn-ea"/>
+                <a:cs typeface="+mn-cs"/>
+              </a:defRPr>
+            </a:lvl6pPr>
+            <a:lvl7pPr marL="3656960" algn="l" defTabSz="1218987" rtl="0" eaLnBrk="1" latinLnBrk="0" hangingPunct="1">
+              <a:defRPr sz="2400" kern="1200">
+                <a:solidFill>
+                  <a:schemeClr val="tx1"/>
+                </a:solidFill>
+                <a:latin typeface="+mn-lt"/>
+                <a:ea typeface="+mn-ea"/>
+                <a:cs typeface="+mn-cs"/>
+              </a:defRPr>
+            </a:lvl7pPr>
+            <a:lvl8pPr marL="4266453" algn="l" defTabSz="1218987" rtl="0" eaLnBrk="1" latinLnBrk="0" hangingPunct="1">
+              <a:defRPr sz="2400" kern="1200">
+                <a:solidFill>
+                  <a:schemeClr val="tx1"/>
+                </a:solidFill>
+                <a:latin typeface="+mn-lt"/>
+                <a:ea typeface="+mn-ea"/>
+                <a:cs typeface="+mn-cs"/>
+              </a:defRPr>
+            </a:lvl8pPr>
+            <a:lvl9pPr marL="4875947" algn="l" defTabSz="1218987" rtl="0" eaLnBrk="1" latinLnBrk="0" hangingPunct="1">
+              <a:defRPr sz="2400" kern="1200">
+                <a:solidFill>
+                  <a:schemeClr val="tx1"/>
+                </a:solidFill>
+                <a:latin typeface="+mn-lt"/>
+                <a:ea typeface="+mn-ea"/>
+                <a:cs typeface="+mn-cs"/>
+              </a:defRPr>
+            </a:lvl9pPr>
+          </a:lstStyle>
+          <a:p>
+            <a:r>
+              <a:rPr lang="en-US" sz="1800" b="1" dirty="0">
+                <a:hlinkClick r:id="rId10"/>
+              </a:rPr>
+              <a:t>https://github.com/BG-IT-Edu/School-Programming/tree/main/Courses/Applied-Programmer/Programming-Fundamentals</a:t>
+            </a:r>
+            <a:endParaRPr lang="en-GB" sz="1800" b="1" dirty="0"/>
+          </a:p>
+        </p:txBody>
+      </p:sp>
     </p:spTree>
     <p:extLst>
       <p:ext uri="{BB962C8B-B14F-4D97-AF65-F5344CB8AC3E}">
@@ -14399,28 +14534,18 @@
           <a:lstStyle/>
           <a:p>
             <a:r>
-              <a:rPr lang="bg-BG" dirty="0" smtClean="0"/>
+              <a:rPr lang="bg-BG" dirty="0"/>
               <a:t>Тествайте</a:t>
             </a:r>
             <a:r>
-              <a:rPr lang="en-US" dirty="0" smtClean="0"/>
-              <a:t> </a:t>
-            </a:r>
-            <a:r>
               <a:rPr lang="en-US" dirty="0"/>
-              <a:t>в Judge: </a:t>
+              <a:t> в Judge: </a:t>
             </a:r>
             <a:r>
               <a:rPr lang="en-US" dirty="0">
                 <a:hlinkClick r:id="rId2"/>
               </a:rPr>
-              <a:t>https://</a:t>
-            </a:r>
-            <a:r>
-              <a:rPr lang="en-US" dirty="0" smtClean="0">
-                <a:hlinkClick r:id="rId2"/>
-              </a:rPr>
-              <a:t>judge.softuni.bg/Contests/2669</a:t>
+              <a:t>https://judge.softuni.bg/Contests/2669</a:t>
             </a:r>
             <a:endParaRPr lang="en-US" dirty="0"/>
           </a:p>
@@ -15337,28 +15462,18 @@
           <a:lstStyle/>
           <a:p>
             <a:r>
-              <a:rPr lang="bg-BG" dirty="0" smtClean="0"/>
+              <a:rPr lang="bg-BG" dirty="0"/>
               <a:t>Тествайте</a:t>
             </a:r>
             <a:r>
-              <a:rPr lang="en-US" dirty="0" smtClean="0"/>
-              <a:t> </a:t>
-            </a:r>
-            <a:r>
               <a:rPr lang="en-US" dirty="0"/>
-              <a:t>в Judge: </a:t>
+              <a:t> в Judge: </a:t>
             </a:r>
             <a:r>
               <a:rPr lang="en-US" dirty="0">
                 <a:hlinkClick r:id="rId2"/>
               </a:rPr>
-              <a:t>https://</a:t>
-            </a:r>
-            <a:r>
-              <a:rPr lang="en-US" dirty="0" smtClean="0">
-                <a:hlinkClick r:id="rId2"/>
-              </a:rPr>
-              <a:t>judge.softuni.bg/Contests/2669</a:t>
+              <a:t>https://judge.softuni.bg/Contests/2669</a:t>
             </a:r>
             <a:endParaRPr lang="en-US" dirty="0"/>
           </a:p>
@@ -16615,31 +16730,136 @@
       </p:sp>
       <p:sp>
         <p:nvSpPr>
-          <p:cNvPr id="3" name="Text Placeholder 2"/>
-          <p:cNvSpPr>
-            <a:spLocks noGrp="1"/>
+          <p:cNvPr id="6" name="Text Placeholder 11">
+            <a:extLst>
+              <a:ext uri="{FF2B5EF4-FFF2-40B4-BE49-F238E27FC236}">
+                <a16:creationId xmlns:a16="http://schemas.microsoft.com/office/drawing/2014/main" id="{3E4A0819-C69C-40DE-8DCD-6732932F3986}"/>
+              </a:ext>
+            </a:extLst>
+          </p:cNvPr>
+          <p:cNvSpPr txBox="1">
+            <a:spLocks/>
           </p:cNvSpPr>
-          <p:nvPr>
-            <p:ph type="body" sz="quarter" idx="10"/>
-          </p:nvPr>
+          <p:nvPr/>
         </p:nvSpPr>
-        <p:spPr>
+        <p:spPr bwMode="auto">
           <a:xfrm>
-            <a:off x="1529384" y="6400802"/>
-            <a:ext cx="10482604" cy="363552"/>
+            <a:off x="289787" y="6400800"/>
+            <a:ext cx="11885613" cy="349702"/>
           </a:xfrm>
+          <a:prstGeom prst="rect">
+            <a:avLst/>
+          </a:prstGeom>
+          <a:noFill/>
+          <a:effectLst/>
         </p:spPr>
         <p:txBody>
-          <a:bodyPr/>
-          <a:lstStyle/>
+          <a:bodyPr vert="horz" wrap="square" lIns="36000" tIns="36000" rIns="36000" bIns="36000" rtlCol="0" anchor="ctr" anchorCtr="0">
+            <a:spAutoFit/>
+          </a:bodyPr>
+          <a:lstStyle>
+            <a:defPPr>
+              <a:defRPr lang="en-US"/>
+            </a:defPPr>
+            <a:lvl1pPr marL="0" algn="l" defTabSz="1218987" rtl="0" eaLnBrk="1" latinLnBrk="0" hangingPunct="1">
+              <a:defRPr sz="2400" kern="1200">
+                <a:solidFill>
+                  <a:schemeClr val="tx1"/>
+                </a:solidFill>
+                <a:latin typeface="+mn-lt"/>
+                <a:ea typeface="+mn-ea"/>
+                <a:cs typeface="+mn-cs"/>
+              </a:defRPr>
+            </a:lvl1pPr>
+            <a:lvl2pPr marL="609493" algn="l" defTabSz="1218987" rtl="0" eaLnBrk="1" latinLnBrk="0" hangingPunct="1">
+              <a:defRPr sz="2400" kern="1200">
+                <a:solidFill>
+                  <a:schemeClr val="tx1"/>
+                </a:solidFill>
+                <a:latin typeface="+mn-lt"/>
+                <a:ea typeface="+mn-ea"/>
+                <a:cs typeface="+mn-cs"/>
+              </a:defRPr>
+            </a:lvl2pPr>
+            <a:lvl3pPr marL="1218987" algn="l" defTabSz="1218987" rtl="0" eaLnBrk="1" latinLnBrk="0" hangingPunct="1">
+              <a:defRPr sz="2400" kern="1200">
+                <a:solidFill>
+                  <a:schemeClr val="tx1"/>
+                </a:solidFill>
+                <a:latin typeface="+mn-lt"/>
+                <a:ea typeface="+mn-ea"/>
+                <a:cs typeface="+mn-cs"/>
+              </a:defRPr>
+            </a:lvl3pPr>
+            <a:lvl4pPr marL="1828480" algn="l" defTabSz="1218987" rtl="0" eaLnBrk="1" latinLnBrk="0" hangingPunct="1">
+              <a:defRPr sz="2400" kern="1200">
+                <a:solidFill>
+                  <a:schemeClr val="tx1"/>
+                </a:solidFill>
+                <a:latin typeface="+mn-lt"/>
+                <a:ea typeface="+mn-ea"/>
+                <a:cs typeface="+mn-cs"/>
+              </a:defRPr>
+            </a:lvl4pPr>
+            <a:lvl5pPr marL="2437973" algn="l" defTabSz="1218987" rtl="0" eaLnBrk="1" latinLnBrk="0" hangingPunct="1">
+              <a:defRPr sz="2400" kern="1200">
+                <a:solidFill>
+                  <a:schemeClr val="tx1"/>
+                </a:solidFill>
+                <a:latin typeface="+mn-lt"/>
+                <a:ea typeface="+mn-ea"/>
+                <a:cs typeface="+mn-cs"/>
+              </a:defRPr>
+            </a:lvl5pPr>
+            <a:lvl6pPr marL="3047467" algn="l" defTabSz="1218987" rtl="0" eaLnBrk="1" latinLnBrk="0" hangingPunct="1">
+              <a:defRPr sz="2400" kern="1200">
+                <a:solidFill>
+                  <a:schemeClr val="tx1"/>
+                </a:solidFill>
+                <a:latin typeface="+mn-lt"/>
+                <a:ea typeface="+mn-ea"/>
+                <a:cs typeface="+mn-cs"/>
+              </a:defRPr>
+            </a:lvl6pPr>
+            <a:lvl7pPr marL="3656960" algn="l" defTabSz="1218987" rtl="0" eaLnBrk="1" latinLnBrk="0" hangingPunct="1">
+              <a:defRPr sz="2400" kern="1200">
+                <a:solidFill>
+                  <a:schemeClr val="tx1"/>
+                </a:solidFill>
+                <a:latin typeface="+mn-lt"/>
+                <a:ea typeface="+mn-ea"/>
+                <a:cs typeface="+mn-cs"/>
+              </a:defRPr>
+            </a:lvl7pPr>
+            <a:lvl8pPr marL="4266453" algn="l" defTabSz="1218987" rtl="0" eaLnBrk="1" latinLnBrk="0" hangingPunct="1">
+              <a:defRPr sz="2400" kern="1200">
+                <a:solidFill>
+                  <a:schemeClr val="tx1"/>
+                </a:solidFill>
+                <a:latin typeface="+mn-lt"/>
+                <a:ea typeface="+mn-ea"/>
+                <a:cs typeface="+mn-cs"/>
+              </a:defRPr>
+            </a:lvl8pPr>
+            <a:lvl9pPr marL="4875947" algn="l" defTabSz="1218987" rtl="0" eaLnBrk="1" latinLnBrk="0" hangingPunct="1">
+              <a:defRPr sz="2400" kern="1200">
+                <a:solidFill>
+                  <a:schemeClr val="tx1"/>
+                </a:solidFill>
+                <a:latin typeface="+mn-lt"/>
+                <a:ea typeface="+mn-ea"/>
+                <a:cs typeface="+mn-cs"/>
+              </a:defRPr>
+            </a:lvl9pPr>
+          </a:lstStyle>
           <a:p>
             <a:r>
-              <a:rPr lang="en-US" dirty="0">
+              <a:rPr lang="en-US" sz="1800" b="1" dirty="0">
                 <a:hlinkClick r:id="rId3"/>
               </a:rPr>
-              <a:t>https://it-kariera.mon.bg/e-learning/</a:t>
-            </a:r>
-            <a:endParaRPr lang="en-US" dirty="0"/>
+              <a:t>https://github.com/BG-IT-Edu/School-Programming/tree/main/Courses/Applied-Programmer/Programming-Fundamentals</a:t>
+            </a:r>
+            <a:endParaRPr lang="en-GB" sz="1800" b="1" dirty="0"/>
           </a:p>
         </p:txBody>
       </p:sp>

--- a/Courses/Applied-Programmer/Programming-Fundamentals/07-Речници-и-хеш-таблици/27.Речници.pptx
+++ b/Courses/Applied-Programmer/Programming-Fundamentals/07-Речници-и-хеш-таблици/27.Речници.pptx
@@ -347,7 +347,7 @@
             <a:fld id="{FE5B4EDC-59C0-49C7-8ADA-5A781B329E02}" type="datetimeFigureOut">
               <a:rPr lang="en-US"/>
               <a:pPr/>
-              <a:t>19-Nov-20</a:t>
+              <a:t>21-Nov-20</a:t>
             </a:fld>
             <a:endParaRPr dirty="0"/>
           </a:p>
@@ -645,7 +645,7 @@
             <a:fld id="{F2D8D46A-B586-417D-BFBD-8C8FE0AAF762}" type="datetimeFigureOut">
               <a:rPr lang="en-US" smtClean="0"/>
               <a:pPr/>
-              <a:t>19-Nov-20</a:t>
+              <a:t>21-Nov-20</a:t>
             </a:fld>
             <a:endParaRPr lang="en-US" dirty="0"/>
           </a:p>
@@ -14561,6 +14561,452 @@
   <p:clrMapOvr>
     <a:masterClrMapping/>
   </p:clrMapOvr>
+  <p:timing>
+    <p:tnLst>
+      <p:par>
+        <p:cTn id="1" dur="indefinite" restart="never" nodeType="tmRoot">
+          <p:childTnLst>
+            <p:seq concurrent="1" nextAc="seek">
+              <p:cTn id="2" dur="indefinite" nodeType="mainSeq">
+                <p:childTnLst>
+                  <p:par>
+                    <p:cTn id="3" fill="hold">
+                      <p:stCondLst>
+                        <p:cond delay="indefinite"/>
+                      </p:stCondLst>
+                      <p:childTnLst>
+                        <p:par>
+                          <p:cTn id="4" fill="hold">
+                            <p:stCondLst>
+                              <p:cond delay="0"/>
+                            </p:stCondLst>
+                            <p:childTnLst>
+                              <p:par>
+                                <p:cTn id="5" presetID="1" presetClass="entr" presetSubtype="0" fill="hold" nodeType="clickEffect">
+                                  <p:stCondLst>
+                                    <p:cond delay="0"/>
+                                  </p:stCondLst>
+                                  <p:childTnLst>
+                                    <p:set>
+                                      <p:cBhvr>
+                                        <p:cTn id="6" dur="1" fill="hold">
+                                          <p:stCondLst>
+                                            <p:cond delay="0"/>
+                                          </p:stCondLst>
+                                        </p:cTn>
+                                        <p:tgtEl>
+                                          <p:spTgt spid="3">
+                                            <p:txEl>
+                                              <p:pRg st="1" end="1"/>
+                                            </p:txEl>
+                                          </p:spTgt>
+                                        </p:tgtEl>
+                                        <p:attrNameLst>
+                                          <p:attrName>style.visibility</p:attrName>
+                                        </p:attrNameLst>
+                                      </p:cBhvr>
+                                      <p:to>
+                                        <p:strVal val="visible"/>
+                                      </p:to>
+                                    </p:set>
+                                  </p:childTnLst>
+                                </p:cTn>
+                              </p:par>
+                            </p:childTnLst>
+                          </p:cTn>
+                        </p:par>
+                      </p:childTnLst>
+                    </p:cTn>
+                  </p:par>
+                  <p:par>
+                    <p:cTn id="7" fill="hold">
+                      <p:stCondLst>
+                        <p:cond delay="indefinite"/>
+                      </p:stCondLst>
+                      <p:childTnLst>
+                        <p:par>
+                          <p:cTn id="8" fill="hold">
+                            <p:stCondLst>
+                              <p:cond delay="0"/>
+                            </p:stCondLst>
+                            <p:childTnLst>
+                              <p:par>
+                                <p:cTn id="9" presetID="1" presetClass="entr" presetSubtype="0" fill="hold" nodeType="clickEffect">
+                                  <p:stCondLst>
+                                    <p:cond delay="0"/>
+                                  </p:stCondLst>
+                                  <p:childTnLst>
+                                    <p:set>
+                                      <p:cBhvr>
+                                        <p:cTn id="10" dur="1" fill="hold">
+                                          <p:stCondLst>
+                                            <p:cond delay="0"/>
+                                          </p:stCondLst>
+                                        </p:cTn>
+                                        <p:tgtEl>
+                                          <p:spTgt spid="3">
+                                            <p:txEl>
+                                              <p:pRg st="2" end="2"/>
+                                            </p:txEl>
+                                          </p:spTgt>
+                                        </p:tgtEl>
+                                        <p:attrNameLst>
+                                          <p:attrName>style.visibility</p:attrName>
+                                        </p:attrNameLst>
+                                      </p:cBhvr>
+                                      <p:to>
+                                        <p:strVal val="visible"/>
+                                      </p:to>
+                                    </p:set>
+                                  </p:childTnLst>
+                                </p:cTn>
+                              </p:par>
+                            </p:childTnLst>
+                          </p:cTn>
+                        </p:par>
+                      </p:childTnLst>
+                    </p:cTn>
+                  </p:par>
+                  <p:par>
+                    <p:cTn id="11" fill="hold">
+                      <p:stCondLst>
+                        <p:cond delay="indefinite"/>
+                      </p:stCondLst>
+                      <p:childTnLst>
+                        <p:par>
+                          <p:cTn id="12" fill="hold">
+                            <p:stCondLst>
+                              <p:cond delay="0"/>
+                            </p:stCondLst>
+                            <p:childTnLst>
+                              <p:par>
+                                <p:cTn id="13" presetID="1" presetClass="entr" presetSubtype="0" fill="hold" grpId="0" nodeType="clickEffect">
+                                  <p:stCondLst>
+                                    <p:cond delay="0"/>
+                                  </p:stCondLst>
+                                  <p:childTnLst>
+                                    <p:set>
+                                      <p:cBhvr>
+                                        <p:cTn id="14" dur="1" fill="hold">
+                                          <p:stCondLst>
+                                            <p:cond delay="0"/>
+                                          </p:stCondLst>
+                                        </p:cTn>
+                                        <p:tgtEl>
+                                          <p:spTgt spid="5"/>
+                                        </p:tgtEl>
+                                        <p:attrNameLst>
+                                          <p:attrName>style.visibility</p:attrName>
+                                        </p:attrNameLst>
+                                      </p:cBhvr>
+                                      <p:to>
+                                        <p:strVal val="visible"/>
+                                      </p:to>
+                                    </p:set>
+                                  </p:childTnLst>
+                                </p:cTn>
+                              </p:par>
+                              <p:par>
+                                <p:cTn id="15" presetID="1" presetClass="entr" presetSubtype="0" fill="hold" grpId="0" nodeType="withEffect">
+                                  <p:stCondLst>
+                                    <p:cond delay="0"/>
+                                  </p:stCondLst>
+                                  <p:childTnLst>
+                                    <p:set>
+                                      <p:cBhvr>
+                                        <p:cTn id="16" dur="1" fill="hold">
+                                          <p:stCondLst>
+                                            <p:cond delay="0"/>
+                                          </p:stCondLst>
+                                        </p:cTn>
+                                        <p:tgtEl>
+                                          <p:spTgt spid="6"/>
+                                        </p:tgtEl>
+                                        <p:attrNameLst>
+                                          <p:attrName>style.visibility</p:attrName>
+                                        </p:attrNameLst>
+                                      </p:cBhvr>
+                                      <p:to>
+                                        <p:strVal val="visible"/>
+                                      </p:to>
+                                    </p:set>
+                                  </p:childTnLst>
+                                </p:cTn>
+                              </p:par>
+                              <p:par>
+                                <p:cTn id="17" presetID="1" presetClass="entr" presetSubtype="0" fill="hold" grpId="0" nodeType="withEffect">
+                                  <p:stCondLst>
+                                    <p:cond delay="0"/>
+                                  </p:stCondLst>
+                                  <p:childTnLst>
+                                    <p:set>
+                                      <p:cBhvr>
+                                        <p:cTn id="18" dur="1" fill="hold">
+                                          <p:stCondLst>
+                                            <p:cond delay="0"/>
+                                          </p:stCondLst>
+                                        </p:cTn>
+                                        <p:tgtEl>
+                                          <p:spTgt spid="7"/>
+                                        </p:tgtEl>
+                                        <p:attrNameLst>
+                                          <p:attrName>style.visibility</p:attrName>
+                                        </p:attrNameLst>
+                                      </p:cBhvr>
+                                      <p:to>
+                                        <p:strVal val="visible"/>
+                                      </p:to>
+                                    </p:set>
+                                  </p:childTnLst>
+                                </p:cTn>
+                              </p:par>
+                              <p:par>
+                                <p:cTn id="19" presetID="1" presetClass="entr" presetSubtype="0" fill="hold" grpId="0" nodeType="withEffect">
+                                  <p:stCondLst>
+                                    <p:cond delay="0"/>
+                                  </p:stCondLst>
+                                  <p:childTnLst>
+                                    <p:set>
+                                      <p:cBhvr>
+                                        <p:cTn id="20" dur="1" fill="hold">
+                                          <p:stCondLst>
+                                            <p:cond delay="0"/>
+                                          </p:stCondLst>
+                                        </p:cTn>
+                                        <p:tgtEl>
+                                          <p:spTgt spid="8"/>
+                                        </p:tgtEl>
+                                        <p:attrNameLst>
+                                          <p:attrName>style.visibility</p:attrName>
+                                        </p:attrNameLst>
+                                      </p:cBhvr>
+                                      <p:to>
+                                        <p:strVal val="visible"/>
+                                      </p:to>
+                                    </p:set>
+                                  </p:childTnLst>
+                                </p:cTn>
+                              </p:par>
+                              <p:par>
+                                <p:cTn id="21" presetID="1" presetClass="entr" presetSubtype="0" fill="hold" grpId="0" nodeType="withEffect">
+                                  <p:stCondLst>
+                                    <p:cond delay="0"/>
+                                  </p:stCondLst>
+                                  <p:childTnLst>
+                                    <p:set>
+                                      <p:cBhvr>
+                                        <p:cTn id="22" dur="1" fill="hold">
+                                          <p:stCondLst>
+                                            <p:cond delay="0"/>
+                                          </p:stCondLst>
+                                        </p:cTn>
+                                        <p:tgtEl>
+                                          <p:spTgt spid="9"/>
+                                        </p:tgtEl>
+                                        <p:attrNameLst>
+                                          <p:attrName>style.visibility</p:attrName>
+                                        </p:attrNameLst>
+                                      </p:cBhvr>
+                                      <p:to>
+                                        <p:strVal val="visible"/>
+                                      </p:to>
+                                    </p:set>
+                                  </p:childTnLst>
+                                </p:cTn>
+                              </p:par>
+                              <p:par>
+                                <p:cTn id="23" presetID="1" presetClass="entr" presetSubtype="0" fill="hold" grpId="0" nodeType="withEffect">
+                                  <p:stCondLst>
+                                    <p:cond delay="0"/>
+                                  </p:stCondLst>
+                                  <p:childTnLst>
+                                    <p:set>
+                                      <p:cBhvr>
+                                        <p:cTn id="24" dur="1" fill="hold">
+                                          <p:stCondLst>
+                                            <p:cond delay="0"/>
+                                          </p:stCondLst>
+                                        </p:cTn>
+                                        <p:tgtEl>
+                                          <p:spTgt spid="10"/>
+                                        </p:tgtEl>
+                                        <p:attrNameLst>
+                                          <p:attrName>style.visibility</p:attrName>
+                                        </p:attrNameLst>
+                                      </p:cBhvr>
+                                      <p:to>
+                                        <p:strVal val="visible"/>
+                                      </p:to>
+                                    </p:set>
+                                  </p:childTnLst>
+                                </p:cTn>
+                              </p:par>
+                              <p:par>
+                                <p:cTn id="25" presetID="1" presetClass="entr" presetSubtype="0" fill="hold" grpId="0" nodeType="withEffect">
+                                  <p:stCondLst>
+                                    <p:cond delay="0"/>
+                                  </p:stCondLst>
+                                  <p:childTnLst>
+                                    <p:set>
+                                      <p:cBhvr>
+                                        <p:cTn id="26" dur="1" fill="hold">
+                                          <p:stCondLst>
+                                            <p:cond delay="0"/>
+                                          </p:stCondLst>
+                                        </p:cTn>
+                                        <p:tgtEl>
+                                          <p:spTgt spid="12"/>
+                                        </p:tgtEl>
+                                        <p:attrNameLst>
+                                          <p:attrName>style.visibility</p:attrName>
+                                        </p:attrNameLst>
+                                      </p:cBhvr>
+                                      <p:to>
+                                        <p:strVal val="visible"/>
+                                      </p:to>
+                                    </p:set>
+                                  </p:childTnLst>
+                                </p:cTn>
+                              </p:par>
+                              <p:par>
+                                <p:cTn id="27" presetID="1" presetClass="entr" presetSubtype="0" fill="hold" grpId="0" nodeType="withEffect">
+                                  <p:stCondLst>
+                                    <p:cond delay="0"/>
+                                  </p:stCondLst>
+                                  <p:childTnLst>
+                                    <p:set>
+                                      <p:cBhvr>
+                                        <p:cTn id="28" dur="1" fill="hold">
+                                          <p:stCondLst>
+                                            <p:cond delay="0"/>
+                                          </p:stCondLst>
+                                        </p:cTn>
+                                        <p:tgtEl>
+                                          <p:spTgt spid="13"/>
+                                        </p:tgtEl>
+                                        <p:attrNameLst>
+                                          <p:attrName>style.visibility</p:attrName>
+                                        </p:attrNameLst>
+                                      </p:cBhvr>
+                                      <p:to>
+                                        <p:strVal val="visible"/>
+                                      </p:to>
+                                    </p:set>
+                                  </p:childTnLst>
+                                </p:cTn>
+                              </p:par>
+                              <p:par>
+                                <p:cTn id="29" presetID="1" presetClass="entr" presetSubtype="0" fill="hold" grpId="0" nodeType="withEffect">
+                                  <p:stCondLst>
+                                    <p:cond delay="0"/>
+                                  </p:stCondLst>
+                                  <p:childTnLst>
+                                    <p:set>
+                                      <p:cBhvr>
+                                        <p:cTn id="30" dur="1" fill="hold">
+                                          <p:stCondLst>
+                                            <p:cond delay="0"/>
+                                          </p:stCondLst>
+                                        </p:cTn>
+                                        <p:tgtEl>
+                                          <p:spTgt spid="14"/>
+                                        </p:tgtEl>
+                                        <p:attrNameLst>
+                                          <p:attrName>style.visibility</p:attrName>
+                                        </p:attrNameLst>
+                                      </p:cBhvr>
+                                      <p:to>
+                                        <p:strVal val="visible"/>
+                                      </p:to>
+                                    </p:set>
+                                  </p:childTnLst>
+                                </p:cTn>
+                              </p:par>
+                            </p:childTnLst>
+                          </p:cTn>
+                        </p:par>
+                      </p:childTnLst>
+                    </p:cTn>
+                  </p:par>
+                  <p:par>
+                    <p:cTn id="31" fill="hold">
+                      <p:stCondLst>
+                        <p:cond delay="indefinite"/>
+                      </p:stCondLst>
+                      <p:childTnLst>
+                        <p:par>
+                          <p:cTn id="32" fill="hold">
+                            <p:stCondLst>
+                              <p:cond delay="0"/>
+                            </p:stCondLst>
+                            <p:childTnLst>
+                              <p:par>
+                                <p:cTn id="33" presetID="1" presetClass="entr" presetSubtype="0" fill="hold" grpId="0" nodeType="clickEffect">
+                                  <p:stCondLst>
+                                    <p:cond delay="0"/>
+                                  </p:stCondLst>
+                                  <p:childTnLst>
+                                    <p:set>
+                                      <p:cBhvr>
+                                        <p:cTn id="34" dur="1" fill="hold">
+                                          <p:stCondLst>
+                                            <p:cond delay="0"/>
+                                          </p:stCondLst>
+                                        </p:cTn>
+                                        <p:tgtEl>
+                                          <p:spTgt spid="2"/>
+                                        </p:tgtEl>
+                                        <p:attrNameLst>
+                                          <p:attrName>style.visibility</p:attrName>
+                                        </p:attrNameLst>
+                                      </p:cBhvr>
+                                      <p:to>
+                                        <p:strVal val="visible"/>
+                                      </p:to>
+                                    </p:set>
+                                  </p:childTnLst>
+                                </p:cTn>
+                              </p:par>
+                            </p:childTnLst>
+                          </p:cTn>
+                        </p:par>
+                      </p:childTnLst>
+                    </p:cTn>
+                  </p:par>
+                </p:childTnLst>
+              </p:cTn>
+              <p:prevCondLst>
+                <p:cond evt="onPrev" delay="0">
+                  <p:tgtEl>
+                    <p:sldTgt/>
+                  </p:tgtEl>
+                </p:cond>
+              </p:prevCondLst>
+              <p:nextCondLst>
+                <p:cond evt="onNext" delay="0">
+                  <p:tgtEl>
+                    <p:sldTgt/>
+                  </p:tgtEl>
+                </p:cond>
+              </p:nextCondLst>
+            </p:seq>
+          </p:childTnLst>
+        </p:cTn>
+      </p:par>
+    </p:tnLst>
+    <p:bldLst>
+      <p:bldP spid="5" grpId="0" animBg="1"/>
+      <p:bldP spid="6" grpId="0" animBg="1"/>
+      <p:bldP spid="7" grpId="0" animBg="1"/>
+      <p:bldP spid="8" grpId="0" animBg="1"/>
+      <p:bldP spid="9" grpId="0" animBg="1"/>
+      <p:bldP spid="10" grpId="0" animBg="1"/>
+      <p:bldP spid="12" grpId="0" animBg="1"/>
+      <p:bldP spid="13" grpId="0" animBg="1"/>
+      <p:bldP spid="14" grpId="0" animBg="1"/>
+      <p:bldP spid="2" grpId="0"/>
+    </p:bldLst>
+  </p:timing>
 </p:sld>
 </file>
 
@@ -15893,6 +16339,51 @@
                       </p:childTnLst>
                     </p:cTn>
                   </p:par>
+                  <p:par>
+                    <p:cTn id="33" fill="hold">
+                      <p:stCondLst>
+                        <p:cond delay="indefinite"/>
+                      </p:stCondLst>
+                      <p:childTnLst>
+                        <p:par>
+                          <p:cTn id="34" fill="hold">
+                            <p:stCondLst>
+                              <p:cond delay="0"/>
+                            </p:stCondLst>
+                            <p:childTnLst>
+                              <p:par>
+                                <p:cTn id="35" presetID="1" presetClass="entr" presetSubtype="0" fill="hold" grpId="0" nodeType="clickEffect">
+                                  <p:stCondLst>
+                                    <p:cond delay="0"/>
+                                  </p:stCondLst>
+                                  <p:childTnLst>
+                                    <p:set>
+                                      <p:cBhvr>
+                                        <p:cTn id="36" dur="1" fill="hold">
+                                          <p:stCondLst>
+                                            <p:cond delay="0"/>
+                                          </p:stCondLst>
+                                        </p:cTn>
+                                        <p:tgtEl>
+                                          <p:spTgt spid="8"/>
+                                        </p:tgtEl>
+                                        <p:attrNameLst>
+                                          <p:attrName>style.visibility</p:attrName>
+                                        </p:attrNameLst>
+                                      </p:cBhvr>
+                                      <p:to>
+                                        <p:strVal val="visible"/>
+                                      </p:to>
+                                    </p:set>
+                                  </p:childTnLst>
+                                </p:cTn>
+                              </p:par>
+                            </p:childTnLst>
+                          </p:cTn>
+                        </p:par>
+                      </p:childTnLst>
+                    </p:cTn>
+                  </p:par>
                 </p:childTnLst>
               </p:cTn>
               <p:prevCondLst>
@@ -15916,6 +16407,7 @@
     </p:tnLst>
     <p:bldLst>
       <p:bldP spid="6" grpId="0" animBg="1"/>
+      <p:bldP spid="8" grpId="0"/>
     </p:bldLst>
   </p:timing>
 </p:sld>
@@ -17418,28 +17910,30 @@
           <a:bodyPr/>
           <a:lstStyle/>
           <a:p>
-            <a:pPr>
+            <a:pPr marL="514350" indent="-514350">
               <a:lnSpc>
                 <a:spcPct val="150000"/>
               </a:lnSpc>
+              <a:buFont typeface="+mj-lt"/>
+              <a:buAutoNum type="arabicPeriod"/>
             </a:pPr>
             <a:r>
-              <a:rPr lang="bg-BG" b="1" dirty="0">
-                <a:latin typeface="Consolas" panose="020B0609020204030204" pitchFamily="49" charset="0"/>
+              <a:rPr lang="bg-BG" dirty="0">
                 <a:cs typeface="Consolas" panose="020B0609020204030204" pitchFamily="49" charset="0"/>
               </a:rPr>
               <a:t>Асоциативни масиви</a:t>
             </a:r>
           </a:p>
           <a:p>
-            <a:pPr>
+            <a:pPr marL="514350" indent="-514350">
               <a:lnSpc>
                 <a:spcPct val="150000"/>
               </a:lnSpc>
+              <a:buFont typeface="+mj-lt"/>
+              <a:buAutoNum type="arabicPeriod"/>
             </a:pPr>
             <a:r>
-              <a:rPr lang="bg-BG" b="1" dirty="0">
-                <a:latin typeface="Consolas" panose="020B0609020204030204" pitchFamily="49" charset="0"/>
+              <a:rPr lang="bg-BG" dirty="0">
                 <a:cs typeface="Consolas" panose="020B0609020204030204" pitchFamily="49" charset="0"/>
               </a:rPr>
               <a:t>Речници</a:t>
@@ -17528,6 +18022,85 @@
   <p:clrMapOvr>
     <a:masterClrMapping/>
   </p:clrMapOvr>
+  <p:timing>
+    <p:tnLst>
+      <p:par>
+        <p:cTn id="1" dur="indefinite" restart="never" nodeType="tmRoot">
+          <p:childTnLst>
+            <p:seq concurrent="1" nextAc="seek">
+              <p:cTn id="2" dur="indefinite" nodeType="mainSeq">
+                <p:childTnLst>
+                  <p:par>
+                    <p:cTn id="3" fill="hold">
+                      <p:stCondLst>
+                        <p:cond delay="indefinite"/>
+                      </p:stCondLst>
+                      <p:childTnLst>
+                        <p:par>
+                          <p:cTn id="4" fill="hold">
+                            <p:stCondLst>
+                              <p:cond delay="0"/>
+                            </p:stCondLst>
+                            <p:childTnLst>
+                              <p:par>
+                                <p:cTn id="5" presetID="1" presetClass="entr" presetSubtype="0" fill="hold" nodeType="clickEffect">
+                                  <p:stCondLst>
+                                    <p:cond delay="0"/>
+                                  </p:stCondLst>
+                                  <p:childTnLst>
+                                    <p:set>
+                                      <p:cBhvr>
+                                        <p:cTn id="6" dur="1" fill="hold">
+                                          <p:stCondLst>
+                                            <p:cond delay="0"/>
+                                          </p:stCondLst>
+                                        </p:cTn>
+                                        <p:tgtEl>
+                                          <p:spTgt spid="6">
+                                            <p:txEl>
+                                              <p:pRg st="1" end="1"/>
+                                            </p:txEl>
+                                          </p:spTgt>
+                                        </p:tgtEl>
+                                        <p:attrNameLst>
+                                          <p:attrName>style.visibility</p:attrName>
+                                        </p:attrNameLst>
+                                      </p:cBhvr>
+                                      <p:to>
+                                        <p:strVal val="visible"/>
+                                      </p:to>
+                                    </p:set>
+                                  </p:childTnLst>
+                                </p:cTn>
+                              </p:par>
+                            </p:childTnLst>
+                          </p:cTn>
+                        </p:par>
+                      </p:childTnLst>
+                    </p:cTn>
+                  </p:par>
+                </p:childTnLst>
+              </p:cTn>
+              <p:prevCondLst>
+                <p:cond evt="onPrev" delay="0">
+                  <p:tgtEl>
+                    <p:sldTgt/>
+                  </p:tgtEl>
+                </p:cond>
+              </p:prevCondLst>
+              <p:nextCondLst>
+                <p:cond evt="onNext" delay="0">
+                  <p:tgtEl>
+                    <p:sldTgt/>
+                  </p:tgtEl>
+                </p:cond>
+              </p:nextCondLst>
+            </p:seq>
+          </p:childTnLst>
+        </p:cTn>
+      </p:par>
+    </p:tnLst>
+  </p:timing>
 </p:sld>
 </file>
 
@@ -20698,7 +21271,7 @@
                                         <p:tgtEl>
                                           <p:spTgt spid="3">
                                             <p:txEl>
-                                              <p:pRg st="2" end="2"/>
+                                              <p:pRg st="1" end="1"/>
                                             </p:txEl>
                                           </p:spTgt>
                                         </p:tgtEl>
@@ -20745,7 +21318,11 @@
                                           </p:stCondLst>
                                         </p:cTn>
                                         <p:tgtEl>
-                                          <p:spTgt spid="2"/>
+                                          <p:spTgt spid="3">
+                                            <p:txEl>
+                                              <p:pRg st="2" end="2"/>
+                                            </p:txEl>
+                                          </p:spTgt>
                                         </p:tgtEl>
                                         <p:attrNameLst>
                                           <p:attrName>style.visibility</p:attrName>
@@ -20785,6 +21362,51 @@
                                     <p:set>
                                       <p:cBhvr>
                                         <p:cTn id="14" dur="1" fill="hold">
+                                          <p:stCondLst>
+                                            <p:cond delay="0"/>
+                                          </p:stCondLst>
+                                        </p:cTn>
+                                        <p:tgtEl>
+                                          <p:spTgt spid="2"/>
+                                        </p:tgtEl>
+                                        <p:attrNameLst>
+                                          <p:attrName>style.visibility</p:attrName>
+                                        </p:attrNameLst>
+                                      </p:cBhvr>
+                                      <p:to>
+                                        <p:strVal val="visible"/>
+                                      </p:to>
+                                    </p:set>
+                                  </p:childTnLst>
+                                </p:cTn>
+                              </p:par>
+                            </p:childTnLst>
+                          </p:cTn>
+                        </p:par>
+                      </p:childTnLst>
+                    </p:cTn>
+                  </p:par>
+                  <p:par>
+                    <p:cTn id="15" fill="hold">
+                      <p:stCondLst>
+                        <p:cond delay="indefinite"/>
+                      </p:stCondLst>
+                      <p:childTnLst>
+                        <p:par>
+                          <p:cTn id="16" fill="hold">
+                            <p:stCondLst>
+                              <p:cond delay="0"/>
+                            </p:stCondLst>
+                            <p:childTnLst>
+                              <p:par>
+                                <p:cTn id="17" presetID="1" presetClass="entr" presetSubtype="0" fill="hold" nodeType="clickEffect">
+                                  <p:stCondLst>
+                                    <p:cond delay="0"/>
+                                  </p:stCondLst>
+                                  <p:childTnLst>
+                                    <p:set>
+                                      <p:cBhvr>
+                                        <p:cTn id="18" dur="1" fill="hold">
                                           <p:stCondLst>
                                             <p:cond delay="0"/>
                                           </p:stCondLst>
@@ -22326,6 +22948,231 @@
   <p:clrMapOvr>
     <a:masterClrMapping/>
   </p:clrMapOvr>
+  <p:timing>
+    <p:tnLst>
+      <p:par>
+        <p:cTn id="1" dur="indefinite" restart="never" nodeType="tmRoot">
+          <p:childTnLst>
+            <p:seq concurrent="1" nextAc="seek">
+              <p:cTn id="2" dur="indefinite" nodeType="mainSeq">
+                <p:childTnLst>
+                  <p:par>
+                    <p:cTn id="3" fill="hold">
+                      <p:stCondLst>
+                        <p:cond delay="indefinite"/>
+                      </p:stCondLst>
+                      <p:childTnLst>
+                        <p:par>
+                          <p:cTn id="4" fill="hold">
+                            <p:stCondLst>
+                              <p:cond delay="0"/>
+                            </p:stCondLst>
+                            <p:childTnLst>
+                              <p:par>
+                                <p:cTn id="5" presetID="1" presetClass="entr" presetSubtype="0" fill="hold" nodeType="clickEffect">
+                                  <p:stCondLst>
+                                    <p:cond delay="0"/>
+                                  </p:stCondLst>
+                                  <p:childTnLst>
+                                    <p:set>
+                                      <p:cBhvr>
+                                        <p:cTn id="6" dur="1" fill="hold">
+                                          <p:stCondLst>
+                                            <p:cond delay="0"/>
+                                          </p:stCondLst>
+                                        </p:cTn>
+                                        <p:tgtEl>
+                                          <p:spTgt spid="3">
+                                            <p:txEl>
+                                              <p:pRg st="1" end="1"/>
+                                            </p:txEl>
+                                          </p:spTgt>
+                                        </p:tgtEl>
+                                        <p:attrNameLst>
+                                          <p:attrName>style.visibility</p:attrName>
+                                        </p:attrNameLst>
+                                      </p:cBhvr>
+                                      <p:to>
+                                        <p:strVal val="visible"/>
+                                      </p:to>
+                                    </p:set>
+                                  </p:childTnLst>
+                                </p:cTn>
+                              </p:par>
+                            </p:childTnLst>
+                          </p:cTn>
+                        </p:par>
+                      </p:childTnLst>
+                    </p:cTn>
+                  </p:par>
+                  <p:par>
+                    <p:cTn id="7" fill="hold">
+                      <p:stCondLst>
+                        <p:cond delay="indefinite"/>
+                      </p:stCondLst>
+                      <p:childTnLst>
+                        <p:par>
+                          <p:cTn id="8" fill="hold">
+                            <p:stCondLst>
+                              <p:cond delay="0"/>
+                            </p:stCondLst>
+                            <p:childTnLst>
+                              <p:par>
+                                <p:cTn id="9" presetID="1" presetClass="entr" presetSubtype="0" fill="hold" nodeType="clickEffect">
+                                  <p:stCondLst>
+                                    <p:cond delay="0"/>
+                                  </p:stCondLst>
+                                  <p:childTnLst>
+                                    <p:set>
+                                      <p:cBhvr>
+                                        <p:cTn id="10" dur="1" fill="hold">
+                                          <p:stCondLst>
+                                            <p:cond delay="0"/>
+                                          </p:stCondLst>
+                                        </p:cTn>
+                                        <p:tgtEl>
+                                          <p:spTgt spid="3">
+                                            <p:txEl>
+                                              <p:pRg st="2" end="2"/>
+                                            </p:txEl>
+                                          </p:spTgt>
+                                        </p:tgtEl>
+                                        <p:attrNameLst>
+                                          <p:attrName>style.visibility</p:attrName>
+                                        </p:attrNameLst>
+                                      </p:cBhvr>
+                                      <p:to>
+                                        <p:strVal val="visible"/>
+                                      </p:to>
+                                    </p:set>
+                                  </p:childTnLst>
+                                </p:cTn>
+                              </p:par>
+                            </p:childTnLst>
+                          </p:cTn>
+                        </p:par>
+                      </p:childTnLst>
+                    </p:cTn>
+                  </p:par>
+                  <p:par>
+                    <p:cTn id="11" fill="hold">
+                      <p:stCondLst>
+                        <p:cond delay="indefinite"/>
+                      </p:stCondLst>
+                      <p:childTnLst>
+                        <p:par>
+                          <p:cTn id="12" fill="hold">
+                            <p:stCondLst>
+                              <p:cond delay="0"/>
+                            </p:stCondLst>
+                            <p:childTnLst>
+                              <p:par>
+                                <p:cTn id="13" presetID="1" presetClass="entr" presetSubtype="0" fill="hold" nodeType="clickEffect">
+                                  <p:stCondLst>
+                                    <p:cond delay="0"/>
+                                  </p:stCondLst>
+                                  <p:childTnLst>
+                                    <p:set>
+                                      <p:cBhvr>
+                                        <p:cTn id="14" dur="1" fill="hold">
+                                          <p:stCondLst>
+                                            <p:cond delay="0"/>
+                                          </p:stCondLst>
+                                        </p:cTn>
+                                        <p:tgtEl>
+                                          <p:spTgt spid="3">
+                                            <p:txEl>
+                                              <p:pRg st="3" end="3"/>
+                                            </p:txEl>
+                                          </p:spTgt>
+                                        </p:tgtEl>
+                                        <p:attrNameLst>
+                                          <p:attrName>style.visibility</p:attrName>
+                                        </p:attrNameLst>
+                                      </p:cBhvr>
+                                      <p:to>
+                                        <p:strVal val="visible"/>
+                                      </p:to>
+                                    </p:set>
+                                  </p:childTnLst>
+                                </p:cTn>
+                              </p:par>
+                            </p:childTnLst>
+                          </p:cTn>
+                        </p:par>
+                      </p:childTnLst>
+                    </p:cTn>
+                  </p:par>
+                  <p:par>
+                    <p:cTn id="15" fill="hold">
+                      <p:stCondLst>
+                        <p:cond delay="indefinite"/>
+                      </p:stCondLst>
+                      <p:childTnLst>
+                        <p:par>
+                          <p:cTn id="16" fill="hold">
+                            <p:stCondLst>
+                              <p:cond delay="0"/>
+                            </p:stCondLst>
+                            <p:childTnLst>
+                              <p:par>
+                                <p:cTn id="17" presetID="1" presetClass="entr" presetSubtype="0" fill="hold" grpId="0" nodeType="clickEffect">
+                                  <p:stCondLst>
+                                    <p:cond delay="0"/>
+                                  </p:stCondLst>
+                                  <p:childTnLst>
+                                    <p:set>
+                                      <p:cBhvr>
+                                        <p:cTn id="18" dur="1" fill="hold">
+                                          <p:stCondLst>
+                                            <p:cond delay="0"/>
+                                          </p:stCondLst>
+                                        </p:cTn>
+                                        <p:tgtEl>
+                                          <p:spTgt spid="5"/>
+                                        </p:tgtEl>
+                                        <p:attrNameLst>
+                                          <p:attrName>style.visibility</p:attrName>
+                                        </p:attrNameLst>
+                                      </p:cBhvr>
+                                      <p:to>
+                                        <p:strVal val="visible"/>
+                                      </p:to>
+                                    </p:set>
+                                  </p:childTnLst>
+                                </p:cTn>
+                              </p:par>
+                            </p:childTnLst>
+                          </p:cTn>
+                        </p:par>
+                      </p:childTnLst>
+                    </p:cTn>
+                  </p:par>
+                </p:childTnLst>
+              </p:cTn>
+              <p:prevCondLst>
+                <p:cond evt="onPrev" delay="0">
+                  <p:tgtEl>
+                    <p:sldTgt/>
+                  </p:tgtEl>
+                </p:cond>
+              </p:prevCondLst>
+              <p:nextCondLst>
+                <p:cond evt="onNext" delay="0">
+                  <p:tgtEl>
+                    <p:sldTgt/>
+                  </p:tgtEl>
+                </p:cond>
+              </p:nextCondLst>
+            </p:seq>
+          </p:childTnLst>
+        </p:cTn>
+      </p:par>
+    </p:tnLst>
+    <p:bldLst>
+      <p:bldP spid="5" grpId="0" animBg="1"/>
+    </p:bldLst>
+  </p:timing>
 </p:sld>
 </file>
 
@@ -23533,7 +24380,7 @@
                             </p:stCondLst>
                             <p:childTnLst>
                               <p:par>
-                                <p:cTn id="5" presetID="1" presetClass="entr" presetSubtype="0" fill="hold" grpId="0" nodeType="clickEffect">
+                                <p:cTn id="5" presetID="1" presetClass="entr" presetSubtype="0" fill="hold" nodeType="clickEffect">
                                   <p:stCondLst>
                                     <p:cond delay="0"/>
                                   </p:stCondLst>
@@ -23548,7 +24395,7 @@
                                         <p:tgtEl>
                                           <p:spTgt spid="3">
                                             <p:txEl>
-                                              <p:pRg st="2" end="2"/>
+                                              <p:pRg st="1" end="1"/>
                                             </p:txEl>
                                           </p:spTgt>
                                         </p:tgtEl>
@@ -23590,6 +24437,55 @@
                                     <p:set>
                                       <p:cBhvr>
                                         <p:cTn id="10" dur="1" fill="hold">
+                                          <p:stCondLst>
+                                            <p:cond delay="0"/>
+                                          </p:stCondLst>
+                                        </p:cTn>
+                                        <p:tgtEl>
+                                          <p:spTgt spid="3">
+                                            <p:txEl>
+                                              <p:pRg st="2" end="2"/>
+                                            </p:txEl>
+                                          </p:spTgt>
+                                        </p:tgtEl>
+                                        <p:attrNameLst>
+                                          <p:attrName>style.visibility</p:attrName>
+                                        </p:attrNameLst>
+                                      </p:cBhvr>
+                                      <p:to>
+                                        <p:strVal val="visible"/>
+                                      </p:to>
+                                    </p:set>
+                                  </p:childTnLst>
+                                </p:cTn>
+                              </p:par>
+                            </p:childTnLst>
+                          </p:cTn>
+                        </p:par>
+                      </p:childTnLst>
+                    </p:cTn>
+                  </p:par>
+                  <p:par>
+                    <p:cTn id="11" fill="hold">
+                      <p:stCondLst>
+                        <p:cond delay="indefinite"/>
+                      </p:stCondLst>
+                      <p:childTnLst>
+                        <p:par>
+                          <p:cTn id="12" fill="hold">
+                            <p:stCondLst>
+                              <p:cond delay="0"/>
+                            </p:stCondLst>
+                            <p:childTnLst>
+                              <p:par>
+                                <p:cTn id="13" presetID="1" presetClass="entr" presetSubtype="0" fill="hold" grpId="0" nodeType="clickEffect">
+                                  <p:stCondLst>
+                                    <p:cond delay="0"/>
+                                  </p:stCondLst>
+                                  <p:childTnLst>
+                                    <p:set>
+                                      <p:cBhvr>
+                                        <p:cTn id="14" dur="1" fill="hold">
                                           <p:stCondLst>
                                             <p:cond delay="0"/>
                                           </p:stCondLst>
